--- a/EASY_MOVING.pptx
+++ b/EASY_MOVING.pptx
@@ -22,7 +22,6 @@
     <p:sldId id="271" r:id="rId16"/>
     <p:sldId id="272" r:id="rId17"/>
     <p:sldId id="273" r:id="rId18"/>
-    <p:sldId id="274" r:id="rId19"/>
   </p:sldIdLst>
   <p:sldSz cx="9144000" cy="6858000" type="screen4x3"/>
   <p:notesSz cx="6858000" cy="9144000"/>
@@ -140,10 +139,6 @@
 </p:presentation>
 </file>
 
-<file path=ppt/revisionInfo.xml><?xml version="1.0" encoding="utf-8"?>
-<p1510:revInfo xmlns:a="http://schemas.openxmlformats.org/drawingml/2006/main" xmlns:r="http://schemas.openxmlformats.org/officeDocument/2006/relationships" xmlns:p1510="http://schemas.microsoft.com/office/powerpoint/2015/10/main"/>
-</file>
-
 <file path=ppt/slideLayouts/slideLayout1.xml><?xml version="1.0" encoding="utf-8"?>
 <p:sldLayout xmlns:a="http://schemas.openxmlformats.org/drawingml/2006/main" xmlns:r="http://schemas.openxmlformats.org/officeDocument/2006/relationships" xmlns:p="http://schemas.openxmlformats.org/presentationml/2006/main" showMasterSp="0" type="title" preserve="1">
   <p:cSld name="Title Slide">
@@ -397,7 +392,7 @@
           <a:p>
             <a:fld id="{0E703F0B-3087-4D84-A14D-FACA5DDB84B2}" type="datetimeFigureOut">
               <a:rPr lang="en-US" smtClean="0"/>
-              <a:t>12/3/2017</a:t>
+              <a:t>3/28/2019</a:t>
             </a:fld>
             <a:endParaRPr lang="en-US"/>
           </a:p>
@@ -608,7 +603,7 @@
           <a:p>
             <a:fld id="{0E703F0B-3087-4D84-A14D-FACA5DDB84B2}" type="datetimeFigureOut">
               <a:rPr lang="en-US" smtClean="0"/>
-              <a:t>12/3/2017</a:t>
+              <a:t>3/28/2019</a:t>
             </a:fld>
             <a:endParaRPr lang="en-US"/>
           </a:p>
@@ -875,7 +870,7 @@
           <a:p>
             <a:fld id="{0E703F0B-3087-4D84-A14D-FACA5DDB84B2}" type="datetimeFigureOut">
               <a:rPr lang="en-US" smtClean="0"/>
-              <a:t>12/3/2017</a:t>
+              <a:t>3/28/2019</a:t>
             </a:fld>
             <a:endParaRPr lang="en-US"/>
           </a:p>
@@ -1025,7 +1020,7 @@
           <a:p>
             <a:fld id="{0E703F0B-3087-4D84-A14D-FACA5DDB84B2}" type="datetimeFigureOut">
               <a:rPr lang="en-US" smtClean="0"/>
-              <a:t>12/3/2017</a:t>
+              <a:t>3/28/2019</a:t>
             </a:fld>
             <a:endParaRPr lang="en-US"/>
           </a:p>
@@ -1354,7 +1349,7 @@
           <a:p>
             <a:fld id="{0E703F0B-3087-4D84-A14D-FACA5DDB84B2}" type="datetimeFigureOut">
               <a:rPr lang="en-US" smtClean="0"/>
-              <a:t>12/3/2017</a:t>
+              <a:t>3/28/2019</a:t>
             </a:fld>
             <a:endParaRPr lang="en-US"/>
           </a:p>
@@ -1662,7 +1657,7 @@
           <a:p>
             <a:fld id="{0E703F0B-3087-4D84-A14D-FACA5DDB84B2}" type="datetimeFigureOut">
               <a:rPr lang="en-US" smtClean="0"/>
-              <a:t>12/3/2017</a:t>
+              <a:t>3/28/2019</a:t>
             </a:fld>
             <a:endParaRPr lang="en-US"/>
           </a:p>
@@ -2082,7 +2077,7 @@
           <a:p>
             <a:fld id="{0E703F0B-3087-4D84-A14D-FACA5DDB84B2}" type="datetimeFigureOut">
               <a:rPr lang="en-US" smtClean="0"/>
-              <a:t>12/3/2017</a:t>
+              <a:t>3/28/2019</a:t>
             </a:fld>
             <a:endParaRPr lang="en-US"/>
           </a:p>
@@ -2194,7 +2189,7 @@
           <a:p>
             <a:fld id="{0E703F0B-3087-4D84-A14D-FACA5DDB84B2}" type="datetimeFigureOut">
               <a:rPr lang="en-US" smtClean="0"/>
-              <a:t>12/3/2017</a:t>
+              <a:t>3/28/2019</a:t>
             </a:fld>
             <a:endParaRPr lang="en-US"/>
           </a:p>
@@ -2352,7 +2347,7 @@
           <a:p>
             <a:fld id="{0E703F0B-3087-4D84-A14D-FACA5DDB84B2}" type="datetimeFigureOut">
               <a:rPr lang="en-US" smtClean="0"/>
-              <a:t>12/3/2017</a:t>
+              <a:t>3/28/2019</a:t>
             </a:fld>
             <a:endParaRPr lang="en-US"/>
           </a:p>
@@ -2735,7 +2730,7 @@
           <a:p>
             <a:fld id="{0E703F0B-3087-4D84-A14D-FACA5DDB84B2}" type="datetimeFigureOut">
               <a:rPr lang="en-US" smtClean="0"/>
-              <a:t>12/3/2017</a:t>
+              <a:t>3/28/2019</a:t>
             </a:fld>
             <a:endParaRPr lang="en-US"/>
           </a:p>
@@ -3097,7 +3092,7 @@
           <a:p>
             <a:fld id="{0E703F0B-3087-4D84-A14D-FACA5DDB84B2}" type="datetimeFigureOut">
               <a:rPr lang="en-US" smtClean="0"/>
-              <a:t>12/3/2017</a:t>
+              <a:t>3/28/2019</a:t>
             </a:fld>
             <a:endParaRPr lang="en-US"/>
           </a:p>
@@ -3431,7 +3426,7 @@
           <a:p>
             <a:fld id="{0E703F0B-3087-4D84-A14D-FACA5DDB84B2}" type="datetimeFigureOut">
               <a:rPr lang="en-US" smtClean="0"/>
-              <a:t>12/3/2017</a:t>
+              <a:t>3/28/2019</a:t>
             </a:fld>
             <a:endParaRPr lang="en-US"/>
           </a:p>
@@ -5402,162 +5397,6 @@
 </p:sld>
 </file>
 
-<file path=ppt/slides/slide18.xml><?xml version="1.0" encoding="utf-8"?>
-<p:sld xmlns:a="http://schemas.openxmlformats.org/drawingml/2006/main" xmlns:r="http://schemas.openxmlformats.org/officeDocument/2006/relationships" xmlns:p="http://schemas.openxmlformats.org/presentationml/2006/main">
-  <p:cSld>
-    <p:spTree>
-      <p:nvGrpSpPr>
-        <p:cNvPr id="1" name=""/>
-        <p:cNvGrpSpPr/>
-        <p:nvPr/>
-      </p:nvGrpSpPr>
-      <p:grpSpPr>
-        <a:xfrm>
-          <a:off x="0" y="0"/>
-          <a:ext cx="0" cy="0"/>
-          <a:chOff x="0" y="0"/>
-          <a:chExt cx="0" cy="0"/>
-        </a:xfrm>
-      </p:grpSpPr>
-      <p:sp>
-        <p:nvSpPr>
-          <p:cNvPr id="2" name="Content Placeholder 1">
-            <a:extLst>
-              <a:ext uri="{FF2B5EF4-FFF2-40B4-BE49-F238E27FC236}">
-                <a16:creationId xmlns:a16="http://schemas.microsoft.com/office/drawing/2014/main" id="{31B7AF62-59B4-4ED6-B7E0-44362BABA2C7}"/>
-              </a:ext>
-            </a:extLst>
-          </p:cNvPr>
-          <p:cNvSpPr>
-            <a:spLocks noGrp="1"/>
-          </p:cNvSpPr>
-          <p:nvPr>
-            <p:ph idx="1"/>
-          </p:nvPr>
-        </p:nvSpPr>
-        <p:spPr/>
-        <p:txBody>
-          <a:bodyPr/>
-          <a:lstStyle/>
-          <a:p>
-            <a:pPr marL="45720" indent="0">
-              <a:buNone/>
-            </a:pPr>
-            <a:r>
-              <a:rPr lang="en-IN" dirty="0">
-                <a:latin typeface="Arial" panose="020B0604020202020204" pitchFamily="34" charset="0"/>
-                <a:cs typeface="Arial" panose="020B0604020202020204" pitchFamily="34" charset="0"/>
-              </a:rPr>
-              <a:t>Transport Request</a:t>
-            </a:r>
-          </a:p>
-          <a:p>
-            <a:pPr marL="45720" indent="0">
-              <a:buNone/>
-            </a:pPr>
-            <a:endParaRPr lang="en-IN" dirty="0"/>
-          </a:p>
-        </p:txBody>
-      </p:sp>
-      <p:sp>
-        <p:nvSpPr>
-          <p:cNvPr id="3" name="Text Placeholder 2">
-            <a:extLst>
-              <a:ext uri="{FF2B5EF4-FFF2-40B4-BE49-F238E27FC236}">
-                <a16:creationId xmlns:a16="http://schemas.microsoft.com/office/drawing/2014/main" id="{09EFE270-C267-4D7D-9B6A-D47183C032B9}"/>
-              </a:ext>
-            </a:extLst>
-          </p:cNvPr>
-          <p:cNvSpPr>
-            <a:spLocks noGrp="1"/>
-          </p:cNvSpPr>
-          <p:nvPr>
-            <p:ph type="body" sz="half" idx="2"/>
-          </p:nvPr>
-        </p:nvSpPr>
-        <p:spPr/>
-        <p:txBody>
-          <a:bodyPr/>
-          <a:lstStyle/>
-          <a:p>
-            <a:endParaRPr lang="en-IN"/>
-          </a:p>
-        </p:txBody>
-      </p:sp>
-      <p:sp>
-        <p:nvSpPr>
-          <p:cNvPr id="4" name="Title 3">
-            <a:extLst>
-              <a:ext uri="{FF2B5EF4-FFF2-40B4-BE49-F238E27FC236}">
-                <a16:creationId xmlns:a16="http://schemas.microsoft.com/office/drawing/2014/main" id="{906CE411-D979-4799-BB63-63C71B1466A8}"/>
-              </a:ext>
-            </a:extLst>
-          </p:cNvPr>
-          <p:cNvSpPr>
-            <a:spLocks noGrp="1"/>
-          </p:cNvSpPr>
-          <p:nvPr>
-            <p:ph type="title"/>
-          </p:nvPr>
-        </p:nvSpPr>
-        <p:spPr/>
-        <p:txBody>
-          <a:bodyPr/>
-          <a:lstStyle/>
-          <a:p>
-            <a:endParaRPr lang="en-IN"/>
-          </a:p>
-        </p:txBody>
-      </p:sp>
-      <p:pic>
-        <p:nvPicPr>
-          <p:cNvPr id="6" name="Picture 5">
-            <a:extLst>
-              <a:ext uri="{FF2B5EF4-FFF2-40B4-BE49-F238E27FC236}">
-                <a16:creationId xmlns:a16="http://schemas.microsoft.com/office/drawing/2014/main" id="{BCE614CA-EBEF-4305-ACD4-3AE5DD078F0D}"/>
-              </a:ext>
-            </a:extLst>
-          </p:cNvPr>
-          <p:cNvPicPr>
-            <a:picLocks noChangeAspect="1"/>
-          </p:cNvPicPr>
-          <p:nvPr/>
-        </p:nvPicPr>
-        <p:blipFill>
-          <a:blip r:embed="rId2">
-            <a:extLst>
-              <a:ext uri="{28A0092B-C50C-407E-A947-70E740481C1C}">
-                <a14:useLocalDpi xmlns:a14="http://schemas.microsoft.com/office/drawing/2010/main" val="0"/>
-              </a:ext>
-            </a:extLst>
-          </a:blip>
-          <a:stretch>
-            <a:fillRect/>
-          </a:stretch>
-        </p:blipFill>
-        <p:spPr>
-          <a:xfrm>
-            <a:off x="7086600" y="304800"/>
-            <a:ext cx="1752600" cy="1524000"/>
-          </a:xfrm>
-          <a:prstGeom prst="rect">
-            <a:avLst/>
-          </a:prstGeom>
-        </p:spPr>
-      </p:pic>
-    </p:spTree>
-    <p:extLst>
-      <p:ext uri="{BB962C8B-B14F-4D97-AF65-F5344CB8AC3E}">
-        <p14:creationId xmlns:p14="http://schemas.microsoft.com/office/powerpoint/2010/main" val="733162137"/>
-      </p:ext>
-    </p:extLst>
-  </p:cSld>
-  <p:clrMapOvr>
-    <a:masterClrMapping/>
-  </p:clrMapOvr>
-</p:sld>
-</file>
-
 <file path=ppt/slides/slide2.xml><?xml version="1.0" encoding="utf-8"?>
 <p:sld xmlns:a="http://schemas.openxmlformats.org/drawingml/2006/main" xmlns:r="http://schemas.openxmlformats.org/officeDocument/2006/relationships" xmlns:p="http://schemas.openxmlformats.org/presentationml/2006/main">
   <p:cSld>
